--- a/Slides/Day_6_2.pptx
+++ b/Slides/Day_6_2.pptx
@@ -26,20 +26,7 @@
     <p:sldId id="335" r:id="rId20"/>
     <p:sldId id="336" r:id="rId21"/>
     <p:sldId id="337" r:id="rId22"/>
-    <p:sldId id="339" r:id="rId23"/>
-    <p:sldId id="340" r:id="rId24"/>
-    <p:sldId id="341" r:id="rId25"/>
-    <p:sldId id="342" r:id="rId26"/>
-    <p:sldId id="343" r:id="rId27"/>
-    <p:sldId id="344" r:id="rId28"/>
-    <p:sldId id="345" r:id="rId29"/>
-    <p:sldId id="346" r:id="rId30"/>
-    <p:sldId id="347" r:id="rId31"/>
-    <p:sldId id="348" r:id="rId32"/>
-    <p:sldId id="349" r:id="rId33"/>
-    <p:sldId id="350" r:id="rId34"/>
-    <p:sldId id="351" r:id="rId35"/>
-    <p:sldId id="318" r:id="rId36"/>
+    <p:sldId id="318" r:id="rId23"/>
   </p:sldIdLst>
   <p:sldSz cx="12192000" cy="6858000"/>
   <p:notesSz cx="6858000" cy="9144000"/>
@@ -332,7 +319,7 @@
           <a:p>
             <a:fld id="{EDA8BDCB-78B0-4602-A2A4-46193FA57CAD}" type="datetimeFigureOut">
               <a:rPr lang="en-US" smtClean="0"/>
-              <a:t>8/10/2024</a:t>
+              <a:t>8/13/2024</a:t>
             </a:fld>
             <a:endParaRPr lang="en-US"/>
           </a:p>
@@ -606,7 +593,7 @@
           <a:p>
             <a:fld id="{EDA8BDCB-78B0-4602-A2A4-46193FA57CAD}" type="datetimeFigureOut">
               <a:rPr lang="en-US" smtClean="0"/>
-              <a:t>8/10/2024</a:t>
+              <a:t>8/13/2024</a:t>
             </a:fld>
             <a:endParaRPr lang="en-US"/>
           </a:p>
@@ -800,7 +787,7 @@
           <a:p>
             <a:fld id="{EDA8BDCB-78B0-4602-A2A4-46193FA57CAD}" type="datetimeFigureOut">
               <a:rPr lang="en-US" smtClean="0"/>
-              <a:t>8/10/2024</a:t>
+              <a:t>8/13/2024</a:t>
             </a:fld>
             <a:endParaRPr lang="en-US"/>
           </a:p>
@@ -1073,7 +1060,7 @@
           <a:p>
             <a:fld id="{EDA8BDCB-78B0-4602-A2A4-46193FA57CAD}" type="datetimeFigureOut">
               <a:rPr lang="en-US" smtClean="0"/>
-              <a:t>8/10/2024</a:t>
+              <a:t>8/13/2024</a:t>
             </a:fld>
             <a:endParaRPr lang="en-US"/>
           </a:p>
@@ -1414,7 +1401,7 @@
           <a:p>
             <a:fld id="{EDA8BDCB-78B0-4602-A2A4-46193FA57CAD}" type="datetimeFigureOut">
               <a:rPr lang="en-US" smtClean="0"/>
-              <a:t>8/10/2024</a:t>
+              <a:t>8/13/2024</a:t>
             </a:fld>
             <a:endParaRPr lang="en-US"/>
           </a:p>
@@ -2037,7 +2024,7 @@
           <a:p>
             <a:fld id="{EDA8BDCB-78B0-4602-A2A4-46193FA57CAD}" type="datetimeFigureOut">
               <a:rPr lang="en-US" smtClean="0"/>
-              <a:t>8/10/2024</a:t>
+              <a:t>8/13/2024</a:t>
             </a:fld>
             <a:endParaRPr lang="en-US"/>
           </a:p>
@@ -2894,7 +2881,7 @@
           <a:p>
             <a:fld id="{EDA8BDCB-78B0-4602-A2A4-46193FA57CAD}" type="datetimeFigureOut">
               <a:rPr lang="en-US" smtClean="0"/>
-              <a:t>8/10/2024</a:t>
+              <a:t>8/13/2024</a:t>
             </a:fld>
             <a:endParaRPr lang="en-US"/>
           </a:p>
@@ -3064,7 +3051,7 @@
           <a:p>
             <a:fld id="{EDA8BDCB-78B0-4602-A2A4-46193FA57CAD}" type="datetimeFigureOut">
               <a:rPr lang="en-US" smtClean="0"/>
-              <a:t>8/10/2024</a:t>
+              <a:t>8/13/2024</a:t>
             </a:fld>
             <a:endParaRPr lang="en-US"/>
           </a:p>
@@ -3244,7 +3231,7 @@
           <a:p>
             <a:fld id="{EDA8BDCB-78B0-4602-A2A4-46193FA57CAD}" type="datetimeFigureOut">
               <a:rPr lang="en-US" smtClean="0"/>
-              <a:t>8/10/2024</a:t>
+              <a:t>8/13/2024</a:t>
             </a:fld>
             <a:endParaRPr lang="en-US"/>
           </a:p>
@@ -3414,7 +3401,7 @@
           <a:p>
             <a:fld id="{EDA8BDCB-78B0-4602-A2A4-46193FA57CAD}" type="datetimeFigureOut">
               <a:rPr lang="en-US" smtClean="0"/>
-              <a:t>8/10/2024</a:t>
+              <a:t>8/13/2024</a:t>
             </a:fld>
             <a:endParaRPr lang="en-US"/>
           </a:p>
@@ -3661,7 +3648,7 @@
           <a:p>
             <a:fld id="{EDA8BDCB-78B0-4602-A2A4-46193FA57CAD}" type="datetimeFigureOut">
               <a:rPr lang="en-US" smtClean="0"/>
-              <a:t>8/10/2024</a:t>
+              <a:t>8/13/2024</a:t>
             </a:fld>
             <a:endParaRPr lang="en-US"/>
           </a:p>
@@ -3953,7 +3940,7 @@
           <a:p>
             <a:fld id="{EDA8BDCB-78B0-4602-A2A4-46193FA57CAD}" type="datetimeFigureOut">
               <a:rPr lang="en-US" smtClean="0"/>
-              <a:t>8/10/2024</a:t>
+              <a:t>8/13/2024</a:t>
             </a:fld>
             <a:endParaRPr lang="en-US"/>
           </a:p>
@@ -4397,7 +4384,7 @@
           <a:p>
             <a:fld id="{EDA8BDCB-78B0-4602-A2A4-46193FA57CAD}" type="datetimeFigureOut">
               <a:rPr lang="en-US" smtClean="0"/>
-              <a:t>8/10/2024</a:t>
+              <a:t>8/13/2024</a:t>
             </a:fld>
             <a:endParaRPr lang="en-US"/>
           </a:p>
@@ -4515,7 +4502,7 @@
           <a:p>
             <a:fld id="{EDA8BDCB-78B0-4602-A2A4-46193FA57CAD}" type="datetimeFigureOut">
               <a:rPr lang="en-US" smtClean="0"/>
-              <a:t>8/10/2024</a:t>
+              <a:t>8/13/2024</a:t>
             </a:fld>
             <a:endParaRPr lang="en-US"/>
           </a:p>
@@ -4610,7 +4597,7 @@
           <a:p>
             <a:fld id="{EDA8BDCB-78B0-4602-A2A4-46193FA57CAD}" type="datetimeFigureOut">
               <a:rPr lang="en-US" smtClean="0"/>
-              <a:t>8/10/2024</a:t>
+              <a:t>8/13/2024</a:t>
             </a:fld>
             <a:endParaRPr lang="en-US"/>
           </a:p>
@@ -4889,7 +4876,7 @@
           <a:p>
             <a:fld id="{EDA8BDCB-78B0-4602-A2A4-46193FA57CAD}" type="datetimeFigureOut">
               <a:rPr lang="en-US" smtClean="0"/>
-              <a:t>8/10/2024</a:t>
+              <a:t>8/13/2024</a:t>
             </a:fld>
             <a:endParaRPr lang="en-US"/>
           </a:p>
@@ -5163,7 +5150,7 @@
           <a:p>
             <a:fld id="{EDA8BDCB-78B0-4602-A2A4-46193FA57CAD}" type="datetimeFigureOut">
               <a:rPr lang="en-US" smtClean="0"/>
-              <a:t>8/10/2024</a:t>
+              <a:t>8/13/2024</a:t>
             </a:fld>
             <a:endParaRPr lang="en-US"/>
           </a:p>
@@ -5592,7 +5579,7 @@
           <a:p>
             <a:fld id="{EDA8BDCB-78B0-4602-A2A4-46193FA57CAD}" type="datetimeFigureOut">
               <a:rPr lang="en-US" smtClean="0"/>
-              <a:t>8/10/2024</a:t>
+              <a:t>8/13/2024</a:t>
             </a:fld>
             <a:endParaRPr lang="en-US"/>
           </a:p>
@@ -7926,7 +7913,7 @@
                 <a:latin typeface="Arial" panose="020B0604020202020204" pitchFamily="34" charset="0"/>
                 <a:cs typeface="Arial" panose="020B0604020202020204" pitchFamily="34" charset="0"/>
               </a:rPr>
-              <a:t>3. Làm việc với dự án Maven</a:t>
+              <a:t>Bài tập đồ án</a:t>
             </a:r>
           </a:p>
         </p:txBody>
@@ -7949,8 +7936,8 @@
         </p:nvSpPr>
         <p:spPr>
           <a:xfrm>
-            <a:off x="1103312" y="2183907"/>
-            <a:ext cx="9612036" cy="3986074"/>
+            <a:off x="1103312" y="2175029"/>
+            <a:ext cx="9612036" cy="3994952"/>
           </a:xfrm>
         </p:spPr>
         <p:txBody>
@@ -7962,65 +7949,27 @@
                 <a:latin typeface="Arial" panose="020B0604020202020204" pitchFamily="34" charset="0"/>
                 <a:cs typeface="Arial" panose="020B0604020202020204" pitchFamily="34" charset="0"/>
               </a:rPr>
-              <a:t>3.1. Giới thiệu về Maven</a:t>
-            </a:r>
-          </a:p>
-          <a:p>
+              <a:t>Dựa vào yêu cầu đồ án đã được cung cấp, hãy:</a:t>
+            </a:r>
+          </a:p>
+          <a:p>
+            <a:pPr lvl="1"/>
             <a:r>
               <a:rPr lang="en-US">
                 <a:latin typeface="Arial" panose="020B0604020202020204" pitchFamily="34" charset="0"/>
                 <a:cs typeface="Arial" panose="020B0604020202020204" pitchFamily="34" charset="0"/>
               </a:rPr>
-              <a:t>3.2. Khởi tạo dự án Maven đơn giản</a:t>
-            </a:r>
-          </a:p>
-          <a:p>
+              <a:t>Thiết kế CSDL cho bài tập đồ án này</a:t>
+            </a:r>
+          </a:p>
+          <a:p>
+            <a:pPr lvl="1"/>
             <a:r>
               <a:rPr lang="en-US">
                 <a:latin typeface="Arial" panose="020B0604020202020204" pitchFamily="34" charset="0"/>
                 <a:cs typeface="Arial" panose="020B0604020202020204" pitchFamily="34" charset="0"/>
               </a:rPr>
-              <a:t>3.3. Cấu hình dự án Maven</a:t>
-            </a:r>
-          </a:p>
-          <a:p>
-            <a:pPr lvl="1"/>
-            <a:r>
-              <a:rPr lang="en-US">
-                <a:latin typeface="Arial" panose="020B0604020202020204" pitchFamily="34" charset="0"/>
-                <a:cs typeface="Arial" panose="020B0604020202020204" pitchFamily="34" charset="0"/>
-              </a:rPr>
-              <a:t>3.3.1. Đặt tên dự án</a:t>
-            </a:r>
-          </a:p>
-          <a:p>
-            <a:pPr lvl="1"/>
-            <a:r>
-              <a:rPr lang="en-US">
-                <a:latin typeface="Arial" panose="020B0604020202020204" pitchFamily="34" charset="0"/>
-                <a:cs typeface="Arial" panose="020B0604020202020204" pitchFamily="34" charset="0"/>
-              </a:rPr>
-              <a:t>3.3.2. Đặt mã nhóm cho dự án</a:t>
-            </a:r>
-          </a:p>
-          <a:p>
-            <a:pPr lvl="1"/>
-            <a:r>
-              <a:rPr lang="en-US">
-                <a:latin typeface="Arial" panose="020B0604020202020204" pitchFamily="34" charset="0"/>
-                <a:cs typeface="Arial" panose="020B0604020202020204" pitchFamily="34" charset="0"/>
-              </a:rPr>
-              <a:t>3.3.3. Đặt phiên bản cho dự án</a:t>
-            </a:r>
-          </a:p>
-          <a:p>
-            <a:pPr lvl="1"/>
-            <a:r>
-              <a:rPr lang="en-US">
-                <a:latin typeface="Arial" panose="020B0604020202020204" pitchFamily="34" charset="0"/>
-                <a:cs typeface="Arial" panose="020B0604020202020204" pitchFamily="34" charset="0"/>
-              </a:rPr>
-              <a:t>3.3.4. Quản lý thư viện</a:t>
+              <a:t>Áp dụng mẫu lập trình DAO được hướng dẫn để xây dựng các bộ quản lý các đối tượng mô hình dữ liệu cho bài tập đồ án.</a:t>
             </a:r>
           </a:p>
         </p:txBody>
@@ -8028,792 +7977,7 @@
     </p:spTree>
     <p:extLst>
       <p:ext uri="{BB962C8B-B14F-4D97-AF65-F5344CB8AC3E}">
-        <p14:creationId xmlns:p14="http://schemas.microsoft.com/office/powerpoint/2010/main" val="1229421832"/>
-      </p:ext>
-    </p:extLst>
-  </p:cSld>
-  <p:clrMapOvr>
-    <a:masterClrMapping/>
-  </p:clrMapOvr>
-</p:sld>
-</file>
-
-<file path=ppt/slides/slide23.xml><?xml version="1.0" encoding="utf-8"?>
-<p:sld xmlns:a="http://schemas.openxmlformats.org/drawingml/2006/main" xmlns:r="http://schemas.openxmlformats.org/officeDocument/2006/relationships" xmlns:p="http://schemas.openxmlformats.org/presentationml/2006/main">
-  <p:cSld>
-    <p:spTree>
-      <p:nvGrpSpPr>
-        <p:cNvPr id="1" name=""/>
-        <p:cNvGrpSpPr/>
-        <p:nvPr/>
-      </p:nvGrpSpPr>
-      <p:grpSpPr>
-        <a:xfrm>
-          <a:off x="0" y="0"/>
-          <a:ext cx="0" cy="0"/>
-          <a:chOff x="0" y="0"/>
-          <a:chExt cx="0" cy="0"/>
-        </a:xfrm>
-      </p:grpSpPr>
-      <p:sp>
-        <p:nvSpPr>
-          <p:cNvPr id="2" name="Title 1">
-            <a:extLst>
-              <a:ext uri="{FF2B5EF4-FFF2-40B4-BE49-F238E27FC236}">
-                <a16:creationId xmlns:a16="http://schemas.microsoft.com/office/drawing/2014/main" id="{14D7F595-0D8F-4FE6-A3EC-4557A1A457EB}"/>
-              </a:ext>
-            </a:extLst>
-          </p:cNvPr>
-          <p:cNvSpPr>
-            <a:spLocks noGrp="1"/>
-          </p:cNvSpPr>
-          <p:nvPr>
-            <p:ph type="title"/>
-          </p:nvPr>
-        </p:nvSpPr>
-        <p:spPr/>
-        <p:txBody>
-          <a:bodyPr/>
-          <a:lstStyle/>
-          <a:p>
-            <a:r>
-              <a:rPr lang="en-US">
-                <a:latin typeface="Arial" panose="020B0604020202020204" pitchFamily="34" charset="0"/>
-                <a:cs typeface="Arial" panose="020B0604020202020204" pitchFamily="34" charset="0"/>
-              </a:rPr>
-              <a:t>3.1. Giới thiệu về Maven</a:t>
-            </a:r>
-          </a:p>
-        </p:txBody>
-      </p:sp>
-      <p:sp>
-        <p:nvSpPr>
-          <p:cNvPr id="3" name="Content Placeholder 2">
-            <a:extLst>
-              <a:ext uri="{FF2B5EF4-FFF2-40B4-BE49-F238E27FC236}">
-                <a16:creationId xmlns:a16="http://schemas.microsoft.com/office/drawing/2014/main" id="{6337998B-3737-4D43-973D-24B118D723A2}"/>
-              </a:ext>
-            </a:extLst>
-          </p:cNvPr>
-          <p:cNvSpPr>
-            <a:spLocks noGrp="1"/>
-          </p:cNvSpPr>
-          <p:nvPr>
-            <p:ph idx="1"/>
-          </p:nvPr>
-        </p:nvSpPr>
-        <p:spPr>
-          <a:xfrm>
-            <a:off x="1103312" y="2183907"/>
-            <a:ext cx="9612036" cy="3986074"/>
-          </a:xfrm>
-        </p:spPr>
-        <p:txBody>
-          <a:bodyPr/>
-          <a:lstStyle/>
-          <a:p>
-            <a:r>
-              <a:rPr lang="en-US">
-                <a:latin typeface="Arial" panose="020B0604020202020204" pitchFamily="34" charset="0"/>
-                <a:cs typeface="Arial" panose="020B0604020202020204" pitchFamily="34" charset="0"/>
-              </a:rPr>
-              <a:t>Maven là một công cụ quản lý dự án cho các ứng dụng Java.</a:t>
-            </a:r>
-          </a:p>
-          <a:p>
-            <a:r>
-              <a:rPr lang="en-US">
-                <a:latin typeface="Arial" panose="020B0604020202020204" pitchFamily="34" charset="0"/>
-                <a:cs typeface="Arial" panose="020B0604020202020204" pitchFamily="34" charset="0"/>
-              </a:rPr>
-              <a:t>Giúp quản lý: Cấu trúc dự án, cách xây dựng ứng dụng từ dự án, thư viện của dự án, thông tin dự án, ...</a:t>
-            </a:r>
-          </a:p>
-          <a:p>
-            <a:r>
-              <a:rPr lang="en-US">
-                <a:latin typeface="Arial" panose="020B0604020202020204" pitchFamily="34" charset="0"/>
-                <a:cs typeface="Arial" panose="020B0604020202020204" pitchFamily="34" charset="0"/>
-              </a:rPr>
-              <a:t>Maven quản lý dự án Java một cách tự động dựa trên tệp cấu hình dự án có tên là: pom.xml</a:t>
-            </a:r>
-          </a:p>
-          <a:p>
-            <a:r>
-              <a:rPr lang="en-US">
-                <a:latin typeface="Arial" panose="020B0604020202020204" pitchFamily="34" charset="0"/>
-                <a:cs typeface="Arial" panose="020B0604020202020204" pitchFamily="34" charset="0"/>
-              </a:rPr>
-              <a:t>Các thông tin cơ bảng của tệp pom.xml:</a:t>
-            </a:r>
-          </a:p>
-          <a:p>
-            <a:pPr lvl="1"/>
-            <a:r>
-              <a:rPr lang="en-US">
-                <a:latin typeface="Arial" panose="020B0604020202020204" pitchFamily="34" charset="0"/>
-                <a:cs typeface="Arial" panose="020B0604020202020204" pitchFamily="34" charset="0"/>
-              </a:rPr>
-              <a:t>groupId: Mã nhóm, dùng để định danh một ứng dụng khi đẩy lên kho trung tâm</a:t>
-            </a:r>
-          </a:p>
-          <a:p>
-            <a:pPr lvl="1"/>
-            <a:r>
-              <a:rPr lang="en-US">
-                <a:latin typeface="Arial" panose="020B0604020202020204" pitchFamily="34" charset="0"/>
-                <a:cs typeface="Arial" panose="020B0604020202020204" pitchFamily="34" charset="0"/>
-              </a:rPr>
-              <a:t>artifactId: Tên ứng dụng, dùng để định danh khi đẩy lên kho trung tâm</a:t>
-            </a:r>
-          </a:p>
-          <a:p>
-            <a:pPr lvl="1"/>
-            <a:r>
-              <a:rPr lang="en-US">
-                <a:latin typeface="Arial" panose="020B0604020202020204" pitchFamily="34" charset="0"/>
-                <a:cs typeface="Arial" panose="020B0604020202020204" pitchFamily="34" charset="0"/>
-              </a:rPr>
-              <a:t>version: Phiên bản ứng dụng</a:t>
-            </a:r>
-          </a:p>
-          <a:p>
-            <a:pPr lvl="1"/>
-            <a:endParaRPr lang="en-US">
-              <a:latin typeface="Arial" panose="020B0604020202020204" pitchFamily="34" charset="0"/>
-              <a:cs typeface="Arial" panose="020B0604020202020204" pitchFamily="34" charset="0"/>
-            </a:endParaRPr>
-          </a:p>
-        </p:txBody>
-      </p:sp>
-    </p:spTree>
-    <p:extLst>
-      <p:ext uri="{BB962C8B-B14F-4D97-AF65-F5344CB8AC3E}">
-        <p14:creationId xmlns:p14="http://schemas.microsoft.com/office/powerpoint/2010/main" val="1464915259"/>
-      </p:ext>
-    </p:extLst>
-  </p:cSld>
-  <p:clrMapOvr>
-    <a:masterClrMapping/>
-  </p:clrMapOvr>
-</p:sld>
-</file>
-
-<file path=ppt/slides/slide24.xml><?xml version="1.0" encoding="utf-8"?>
-<p:sld xmlns:a="http://schemas.openxmlformats.org/drawingml/2006/main" xmlns:r="http://schemas.openxmlformats.org/officeDocument/2006/relationships" xmlns:p="http://schemas.openxmlformats.org/presentationml/2006/main">
-  <p:cSld>
-    <p:spTree>
-      <p:nvGrpSpPr>
-        <p:cNvPr id="1" name=""/>
-        <p:cNvGrpSpPr/>
-        <p:nvPr/>
-      </p:nvGrpSpPr>
-      <p:grpSpPr>
-        <a:xfrm>
-          <a:off x="0" y="0"/>
-          <a:ext cx="0" cy="0"/>
-          <a:chOff x="0" y="0"/>
-          <a:chExt cx="0" cy="0"/>
-        </a:xfrm>
-      </p:grpSpPr>
-      <p:sp>
-        <p:nvSpPr>
-          <p:cNvPr id="2" name="Title 1">
-            <a:extLst>
-              <a:ext uri="{FF2B5EF4-FFF2-40B4-BE49-F238E27FC236}">
-                <a16:creationId xmlns:a16="http://schemas.microsoft.com/office/drawing/2014/main" id="{14D7F595-0D8F-4FE6-A3EC-4557A1A457EB}"/>
-              </a:ext>
-            </a:extLst>
-          </p:cNvPr>
-          <p:cNvSpPr>
-            <a:spLocks noGrp="1"/>
-          </p:cNvSpPr>
-          <p:nvPr>
-            <p:ph type="title"/>
-          </p:nvPr>
-        </p:nvSpPr>
-        <p:spPr/>
-        <p:txBody>
-          <a:bodyPr/>
-          <a:lstStyle/>
-          <a:p>
-            <a:r>
-              <a:rPr lang="en-US">
-                <a:latin typeface="Arial" panose="020B0604020202020204" pitchFamily="34" charset="0"/>
-                <a:cs typeface="Arial" panose="020B0604020202020204" pitchFamily="34" charset="0"/>
-              </a:rPr>
-              <a:t>3.2. Khởi tạo dự án Maven đơn giản</a:t>
-            </a:r>
-          </a:p>
-        </p:txBody>
-      </p:sp>
-      <p:pic>
-        <p:nvPicPr>
-          <p:cNvPr id="4" name="Content Placeholder 3">
-            <a:extLst>
-              <a:ext uri="{FF2B5EF4-FFF2-40B4-BE49-F238E27FC236}">
-                <a16:creationId xmlns:a16="http://schemas.microsoft.com/office/drawing/2014/main" id="{05281340-75A4-42CC-A0AB-97FA97CADCF7}"/>
-              </a:ext>
-            </a:extLst>
-          </p:cNvPr>
-          <p:cNvPicPr>
-            <a:picLocks noGrp="1" noChangeAspect="1"/>
-          </p:cNvPicPr>
-          <p:nvPr>
-            <p:ph idx="1"/>
-          </p:nvPr>
-        </p:nvPicPr>
-        <p:blipFill>
-          <a:blip r:embed="rId2"/>
-          <a:stretch>
-            <a:fillRect/>
-          </a:stretch>
-        </p:blipFill>
-        <p:spPr>
-          <a:xfrm>
-            <a:off x="4301549" y="1853248"/>
-            <a:ext cx="3588901" cy="4659673"/>
-          </a:xfrm>
-          <a:prstGeom prst="rect">
-            <a:avLst/>
-          </a:prstGeom>
-        </p:spPr>
-      </p:pic>
-    </p:spTree>
-    <p:extLst>
-      <p:ext uri="{BB962C8B-B14F-4D97-AF65-F5344CB8AC3E}">
-        <p14:creationId xmlns:p14="http://schemas.microsoft.com/office/powerpoint/2010/main" val="2485122240"/>
-      </p:ext>
-    </p:extLst>
-  </p:cSld>
-  <p:clrMapOvr>
-    <a:masterClrMapping/>
-  </p:clrMapOvr>
-</p:sld>
-</file>
-
-<file path=ppt/slides/slide25.xml><?xml version="1.0" encoding="utf-8"?>
-<p:sld xmlns:a="http://schemas.openxmlformats.org/drawingml/2006/main" xmlns:r="http://schemas.openxmlformats.org/officeDocument/2006/relationships" xmlns:p="http://schemas.openxmlformats.org/presentationml/2006/main">
-  <p:cSld>
-    <p:spTree>
-      <p:nvGrpSpPr>
-        <p:cNvPr id="1" name=""/>
-        <p:cNvGrpSpPr/>
-        <p:nvPr/>
-      </p:nvGrpSpPr>
-      <p:grpSpPr>
-        <a:xfrm>
-          <a:off x="0" y="0"/>
-          <a:ext cx="0" cy="0"/>
-          <a:chOff x="0" y="0"/>
-          <a:chExt cx="0" cy="0"/>
-        </a:xfrm>
-      </p:grpSpPr>
-      <p:sp>
-        <p:nvSpPr>
-          <p:cNvPr id="2" name="Title 1">
-            <a:extLst>
-              <a:ext uri="{FF2B5EF4-FFF2-40B4-BE49-F238E27FC236}">
-                <a16:creationId xmlns:a16="http://schemas.microsoft.com/office/drawing/2014/main" id="{14D7F595-0D8F-4FE6-A3EC-4557A1A457EB}"/>
-              </a:ext>
-            </a:extLst>
-          </p:cNvPr>
-          <p:cNvSpPr>
-            <a:spLocks noGrp="1"/>
-          </p:cNvSpPr>
-          <p:nvPr>
-            <p:ph type="title"/>
-          </p:nvPr>
-        </p:nvSpPr>
-        <p:spPr/>
-        <p:txBody>
-          <a:bodyPr/>
-          <a:lstStyle/>
-          <a:p>
-            <a:r>
-              <a:rPr lang="en-US">
-                <a:latin typeface="Arial" panose="020B0604020202020204" pitchFamily="34" charset="0"/>
-                <a:cs typeface="Arial" panose="020B0604020202020204" pitchFamily="34" charset="0"/>
-              </a:rPr>
-              <a:t>3.2. Khởi tạo dự án Maven đơn giản</a:t>
-            </a:r>
-          </a:p>
-        </p:txBody>
-      </p:sp>
-      <p:pic>
-        <p:nvPicPr>
-          <p:cNvPr id="11" name="Content Placeholder 10">
-            <a:extLst>
-              <a:ext uri="{FF2B5EF4-FFF2-40B4-BE49-F238E27FC236}">
-                <a16:creationId xmlns:a16="http://schemas.microsoft.com/office/drawing/2014/main" id="{8AC15943-0A96-451B-BB24-BAD7C5D6D856}"/>
-              </a:ext>
-            </a:extLst>
-          </p:cNvPr>
-          <p:cNvPicPr>
-            <a:picLocks noGrp="1" noChangeAspect="1"/>
-          </p:cNvPicPr>
-          <p:nvPr>
-            <p:ph idx="1"/>
-          </p:nvPr>
-        </p:nvPicPr>
-        <p:blipFill>
-          <a:blip r:embed="rId2"/>
-          <a:stretch>
-            <a:fillRect/>
-          </a:stretch>
-        </p:blipFill>
-        <p:spPr>
-          <a:xfrm>
-            <a:off x="2653500" y="1746402"/>
-            <a:ext cx="6885000" cy="4658880"/>
-          </a:xfrm>
-        </p:spPr>
-      </p:pic>
-    </p:spTree>
-    <p:extLst>
-      <p:ext uri="{BB962C8B-B14F-4D97-AF65-F5344CB8AC3E}">
-        <p14:creationId xmlns:p14="http://schemas.microsoft.com/office/powerpoint/2010/main" val="1315031755"/>
-      </p:ext>
-    </p:extLst>
-  </p:cSld>
-  <p:clrMapOvr>
-    <a:masterClrMapping/>
-  </p:clrMapOvr>
-</p:sld>
-</file>
-
-<file path=ppt/slides/slide26.xml><?xml version="1.0" encoding="utf-8"?>
-<p:sld xmlns:a="http://schemas.openxmlformats.org/drawingml/2006/main" xmlns:r="http://schemas.openxmlformats.org/officeDocument/2006/relationships" xmlns:p="http://schemas.openxmlformats.org/presentationml/2006/main">
-  <p:cSld>
-    <p:spTree>
-      <p:nvGrpSpPr>
-        <p:cNvPr id="1" name=""/>
-        <p:cNvGrpSpPr/>
-        <p:nvPr/>
-      </p:nvGrpSpPr>
-      <p:grpSpPr>
-        <a:xfrm>
-          <a:off x="0" y="0"/>
-          <a:ext cx="0" cy="0"/>
-          <a:chOff x="0" y="0"/>
-          <a:chExt cx="0" cy="0"/>
-        </a:xfrm>
-      </p:grpSpPr>
-      <p:sp>
-        <p:nvSpPr>
-          <p:cNvPr id="2" name="Title 1">
-            <a:extLst>
-              <a:ext uri="{FF2B5EF4-FFF2-40B4-BE49-F238E27FC236}">
-                <a16:creationId xmlns:a16="http://schemas.microsoft.com/office/drawing/2014/main" id="{14D7F595-0D8F-4FE6-A3EC-4557A1A457EB}"/>
-              </a:ext>
-            </a:extLst>
-          </p:cNvPr>
-          <p:cNvSpPr>
-            <a:spLocks noGrp="1"/>
-          </p:cNvSpPr>
-          <p:nvPr>
-            <p:ph type="title"/>
-          </p:nvPr>
-        </p:nvSpPr>
-        <p:spPr/>
-        <p:txBody>
-          <a:bodyPr/>
-          <a:lstStyle/>
-          <a:p>
-            <a:r>
-              <a:rPr lang="en-US">
-                <a:latin typeface="Arial" panose="020B0604020202020204" pitchFamily="34" charset="0"/>
-                <a:cs typeface="Arial" panose="020B0604020202020204" pitchFamily="34" charset="0"/>
-              </a:rPr>
-              <a:t>3.2. Khởi tạo dự án Maven đơn giản</a:t>
-            </a:r>
-          </a:p>
-        </p:txBody>
-      </p:sp>
-      <p:pic>
-        <p:nvPicPr>
-          <p:cNvPr id="6" name="Content Placeholder 5">
-            <a:extLst>
-              <a:ext uri="{FF2B5EF4-FFF2-40B4-BE49-F238E27FC236}">
-                <a16:creationId xmlns:a16="http://schemas.microsoft.com/office/drawing/2014/main" id="{E1855BE3-BFF0-47E4-8D5F-8382D331EC3A}"/>
-              </a:ext>
-            </a:extLst>
-          </p:cNvPr>
-          <p:cNvPicPr>
-            <a:picLocks noGrp="1" noChangeAspect="1"/>
-          </p:cNvPicPr>
-          <p:nvPr>
-            <p:ph idx="1"/>
-          </p:nvPr>
-        </p:nvPicPr>
-        <p:blipFill>
-          <a:blip r:embed="rId2"/>
-          <a:stretch>
-            <a:fillRect/>
-          </a:stretch>
-        </p:blipFill>
-        <p:spPr>
-          <a:xfrm>
-            <a:off x="2002108" y="2775267"/>
-            <a:ext cx="8187784" cy="2293883"/>
-          </a:xfrm>
-        </p:spPr>
-      </p:pic>
-    </p:spTree>
-    <p:extLst>
-      <p:ext uri="{BB962C8B-B14F-4D97-AF65-F5344CB8AC3E}">
-        <p14:creationId xmlns:p14="http://schemas.microsoft.com/office/powerpoint/2010/main" val="4250755370"/>
-      </p:ext>
-    </p:extLst>
-  </p:cSld>
-  <p:clrMapOvr>
-    <a:masterClrMapping/>
-  </p:clrMapOvr>
-</p:sld>
-</file>
-
-<file path=ppt/slides/slide27.xml><?xml version="1.0" encoding="utf-8"?>
-<p:sld xmlns:a="http://schemas.openxmlformats.org/drawingml/2006/main" xmlns:r="http://schemas.openxmlformats.org/officeDocument/2006/relationships" xmlns:p="http://schemas.openxmlformats.org/presentationml/2006/main">
-  <p:cSld>
-    <p:spTree>
-      <p:nvGrpSpPr>
-        <p:cNvPr id="1" name=""/>
-        <p:cNvGrpSpPr/>
-        <p:nvPr/>
-      </p:nvGrpSpPr>
-      <p:grpSpPr>
-        <a:xfrm>
-          <a:off x="0" y="0"/>
-          <a:ext cx="0" cy="0"/>
-          <a:chOff x="0" y="0"/>
-          <a:chExt cx="0" cy="0"/>
-        </a:xfrm>
-      </p:grpSpPr>
-      <p:sp>
-        <p:nvSpPr>
-          <p:cNvPr id="2" name="Title 1">
-            <a:extLst>
-              <a:ext uri="{FF2B5EF4-FFF2-40B4-BE49-F238E27FC236}">
-                <a16:creationId xmlns:a16="http://schemas.microsoft.com/office/drawing/2014/main" id="{14D7F595-0D8F-4FE6-A3EC-4557A1A457EB}"/>
-              </a:ext>
-            </a:extLst>
-          </p:cNvPr>
-          <p:cNvSpPr>
-            <a:spLocks noGrp="1"/>
-          </p:cNvSpPr>
-          <p:nvPr>
-            <p:ph type="title"/>
-          </p:nvPr>
-        </p:nvSpPr>
-        <p:spPr/>
-        <p:txBody>
-          <a:bodyPr/>
-          <a:lstStyle/>
-          <a:p>
-            <a:r>
-              <a:rPr lang="en-US">
-                <a:latin typeface="Arial" panose="020B0604020202020204" pitchFamily="34" charset="0"/>
-                <a:cs typeface="Arial" panose="020B0604020202020204" pitchFamily="34" charset="0"/>
-              </a:rPr>
-              <a:t>3.2. Khởi tạo dự án Maven đơn giản</a:t>
-            </a:r>
-          </a:p>
-        </p:txBody>
-      </p:sp>
-      <p:pic>
-        <p:nvPicPr>
-          <p:cNvPr id="7" name="Content Placeholder 6">
-            <a:extLst>
-              <a:ext uri="{FF2B5EF4-FFF2-40B4-BE49-F238E27FC236}">
-                <a16:creationId xmlns:a16="http://schemas.microsoft.com/office/drawing/2014/main" id="{AAA6B53E-B3E4-4996-9BB7-5BDC5EB09EF2}"/>
-              </a:ext>
-            </a:extLst>
-          </p:cNvPr>
-          <p:cNvPicPr>
-            <a:picLocks noGrp="1" noChangeAspect="1"/>
-          </p:cNvPicPr>
-          <p:nvPr>
-            <p:ph idx="1"/>
-          </p:nvPr>
-        </p:nvPicPr>
-        <p:blipFill>
-          <a:blip r:embed="rId2"/>
-          <a:stretch>
-            <a:fillRect/>
-          </a:stretch>
-        </p:blipFill>
-        <p:spPr>
-          <a:xfrm>
-            <a:off x="2515859" y="1750797"/>
-            <a:ext cx="7160281" cy="4810468"/>
-          </a:xfrm>
-        </p:spPr>
-      </p:pic>
-    </p:spTree>
-    <p:extLst>
-      <p:ext uri="{BB962C8B-B14F-4D97-AF65-F5344CB8AC3E}">
-        <p14:creationId xmlns:p14="http://schemas.microsoft.com/office/powerpoint/2010/main" val="2928464699"/>
-      </p:ext>
-    </p:extLst>
-  </p:cSld>
-  <p:clrMapOvr>
-    <a:masterClrMapping/>
-  </p:clrMapOvr>
-</p:sld>
-</file>
-
-<file path=ppt/slides/slide28.xml><?xml version="1.0" encoding="utf-8"?>
-<p:sld xmlns:a="http://schemas.openxmlformats.org/drawingml/2006/main" xmlns:r="http://schemas.openxmlformats.org/officeDocument/2006/relationships" xmlns:p="http://schemas.openxmlformats.org/presentationml/2006/main">
-  <p:cSld>
-    <p:spTree>
-      <p:nvGrpSpPr>
-        <p:cNvPr id="1" name=""/>
-        <p:cNvGrpSpPr/>
-        <p:nvPr/>
-      </p:nvGrpSpPr>
-      <p:grpSpPr>
-        <a:xfrm>
-          <a:off x="0" y="0"/>
-          <a:ext cx="0" cy="0"/>
-          <a:chOff x="0" y="0"/>
-          <a:chExt cx="0" cy="0"/>
-        </a:xfrm>
-      </p:grpSpPr>
-      <p:sp>
-        <p:nvSpPr>
-          <p:cNvPr id="2" name="Title 1">
-            <a:extLst>
-              <a:ext uri="{FF2B5EF4-FFF2-40B4-BE49-F238E27FC236}">
-                <a16:creationId xmlns:a16="http://schemas.microsoft.com/office/drawing/2014/main" id="{14D7F595-0D8F-4FE6-A3EC-4557A1A457EB}"/>
-              </a:ext>
-            </a:extLst>
-          </p:cNvPr>
-          <p:cNvSpPr>
-            <a:spLocks noGrp="1"/>
-          </p:cNvSpPr>
-          <p:nvPr>
-            <p:ph type="title"/>
-          </p:nvPr>
-        </p:nvSpPr>
-        <p:spPr/>
-        <p:txBody>
-          <a:bodyPr/>
-          <a:lstStyle/>
-          <a:p>
-            <a:r>
-              <a:rPr lang="en-US">
-                <a:latin typeface="Arial" panose="020B0604020202020204" pitchFamily="34" charset="0"/>
-                <a:cs typeface="Arial" panose="020B0604020202020204" pitchFamily="34" charset="0"/>
-              </a:rPr>
-              <a:t>3.3. Cấu hình dự án Maven</a:t>
-            </a:r>
-          </a:p>
-        </p:txBody>
-      </p:sp>
-      <p:sp>
-        <p:nvSpPr>
-          <p:cNvPr id="3" name="Content Placeholder 2">
-            <a:extLst>
-              <a:ext uri="{FF2B5EF4-FFF2-40B4-BE49-F238E27FC236}">
-                <a16:creationId xmlns:a16="http://schemas.microsoft.com/office/drawing/2014/main" id="{6337998B-3737-4D43-973D-24B118D723A2}"/>
-              </a:ext>
-            </a:extLst>
-          </p:cNvPr>
-          <p:cNvSpPr>
-            <a:spLocks noGrp="1"/>
-          </p:cNvSpPr>
-          <p:nvPr>
-            <p:ph idx="1"/>
-          </p:nvPr>
-        </p:nvSpPr>
-        <p:spPr>
-          <a:xfrm>
-            <a:off x="1103312" y="2183907"/>
-            <a:ext cx="9612036" cy="3986074"/>
-          </a:xfrm>
-        </p:spPr>
-        <p:txBody>
-          <a:bodyPr/>
-          <a:lstStyle/>
-          <a:p>
-            <a:r>
-              <a:rPr lang="en-US">
-                <a:latin typeface="Arial" panose="020B0604020202020204" pitchFamily="34" charset="0"/>
-                <a:cs typeface="Arial" panose="020B0604020202020204" pitchFamily="34" charset="0"/>
-              </a:rPr>
-              <a:t>Mọi thông tin cấu hình của dự án Maven đều nằm trong tệp pom.xml</a:t>
-            </a:r>
-          </a:p>
-          <a:p>
-            <a:pPr lvl="1"/>
-            <a:endParaRPr lang="en-US">
-              <a:latin typeface="Arial" panose="020B0604020202020204" pitchFamily="34" charset="0"/>
-              <a:cs typeface="Arial" panose="020B0604020202020204" pitchFamily="34" charset="0"/>
-            </a:endParaRPr>
-          </a:p>
-        </p:txBody>
-      </p:sp>
-      <p:pic>
-        <p:nvPicPr>
-          <p:cNvPr id="5" name="Picture 4">
-            <a:extLst>
-              <a:ext uri="{FF2B5EF4-FFF2-40B4-BE49-F238E27FC236}">
-                <a16:creationId xmlns:a16="http://schemas.microsoft.com/office/drawing/2014/main" id="{D16C8FC8-B5F2-40A9-A784-7A68F5785FD9}"/>
-              </a:ext>
-            </a:extLst>
-          </p:cNvPr>
-          <p:cNvPicPr>
-            <a:picLocks noChangeAspect="1"/>
-          </p:cNvPicPr>
-          <p:nvPr/>
-        </p:nvPicPr>
-        <p:blipFill>
-          <a:blip r:embed="rId2"/>
-          <a:stretch>
-            <a:fillRect/>
-          </a:stretch>
-        </p:blipFill>
-        <p:spPr>
-          <a:xfrm>
-            <a:off x="3330971" y="2962342"/>
-            <a:ext cx="5530057" cy="3538298"/>
-          </a:xfrm>
-          <a:prstGeom prst="rect">
-            <a:avLst/>
-          </a:prstGeom>
-        </p:spPr>
-      </p:pic>
-    </p:spTree>
-    <p:extLst>
-      <p:ext uri="{BB962C8B-B14F-4D97-AF65-F5344CB8AC3E}">
-        <p14:creationId xmlns:p14="http://schemas.microsoft.com/office/powerpoint/2010/main" val="44855737"/>
-      </p:ext>
-    </p:extLst>
-  </p:cSld>
-  <p:clrMapOvr>
-    <a:masterClrMapping/>
-  </p:clrMapOvr>
-</p:sld>
-</file>
-
-<file path=ppt/slides/slide29.xml><?xml version="1.0" encoding="utf-8"?>
-<p:sld xmlns:a="http://schemas.openxmlformats.org/drawingml/2006/main" xmlns:r="http://schemas.openxmlformats.org/officeDocument/2006/relationships" xmlns:p="http://schemas.openxmlformats.org/presentationml/2006/main">
-  <p:cSld>
-    <p:spTree>
-      <p:nvGrpSpPr>
-        <p:cNvPr id="1" name=""/>
-        <p:cNvGrpSpPr/>
-        <p:nvPr/>
-      </p:nvGrpSpPr>
-      <p:grpSpPr>
-        <a:xfrm>
-          <a:off x="0" y="0"/>
-          <a:ext cx="0" cy="0"/>
-          <a:chOff x="0" y="0"/>
-          <a:chExt cx="0" cy="0"/>
-        </a:xfrm>
-      </p:grpSpPr>
-      <p:sp>
-        <p:nvSpPr>
-          <p:cNvPr id="2" name="Title 1">
-            <a:extLst>
-              <a:ext uri="{FF2B5EF4-FFF2-40B4-BE49-F238E27FC236}">
-                <a16:creationId xmlns:a16="http://schemas.microsoft.com/office/drawing/2014/main" id="{14D7F595-0D8F-4FE6-A3EC-4557A1A457EB}"/>
-              </a:ext>
-            </a:extLst>
-          </p:cNvPr>
-          <p:cNvSpPr>
-            <a:spLocks noGrp="1"/>
-          </p:cNvSpPr>
-          <p:nvPr>
-            <p:ph type="title"/>
-          </p:nvPr>
-        </p:nvSpPr>
-        <p:spPr/>
-        <p:txBody>
-          <a:bodyPr/>
-          <a:lstStyle/>
-          <a:p>
-            <a:r>
-              <a:rPr lang="en-US">
-                <a:latin typeface="Arial" panose="020B0604020202020204" pitchFamily="34" charset="0"/>
-                <a:cs typeface="Arial" panose="020B0604020202020204" pitchFamily="34" charset="0"/>
-              </a:rPr>
-              <a:t>3.3.1. Đặt tên dự án</a:t>
-            </a:r>
-          </a:p>
-        </p:txBody>
-      </p:sp>
-      <p:sp>
-        <p:nvSpPr>
-          <p:cNvPr id="3" name="Content Placeholder 2">
-            <a:extLst>
-              <a:ext uri="{FF2B5EF4-FFF2-40B4-BE49-F238E27FC236}">
-                <a16:creationId xmlns:a16="http://schemas.microsoft.com/office/drawing/2014/main" id="{6337998B-3737-4D43-973D-24B118D723A2}"/>
-              </a:ext>
-            </a:extLst>
-          </p:cNvPr>
-          <p:cNvSpPr>
-            <a:spLocks noGrp="1"/>
-          </p:cNvSpPr>
-          <p:nvPr>
-            <p:ph idx="1"/>
-          </p:nvPr>
-        </p:nvSpPr>
-        <p:spPr>
-          <a:xfrm>
-            <a:off x="1103312" y="2183907"/>
-            <a:ext cx="9612036" cy="3986074"/>
-          </a:xfrm>
-        </p:spPr>
-        <p:txBody>
-          <a:bodyPr/>
-          <a:lstStyle/>
-          <a:p>
-            <a:r>
-              <a:rPr lang="en-US">
-                <a:latin typeface="Arial" panose="020B0604020202020204" pitchFamily="34" charset="0"/>
-                <a:cs typeface="Arial" panose="020B0604020202020204" pitchFamily="34" charset="0"/>
-              </a:rPr>
-              <a:t>Tên ứng dụng / dự án được quy định trong cặp thẻ &lt;name&gt; và &lt;artifactId&gt; trong tệp pom.xml</a:t>
-            </a:r>
-          </a:p>
-        </p:txBody>
-      </p:sp>
-      <p:pic>
-        <p:nvPicPr>
-          <p:cNvPr id="6" name="Picture 5">
-            <a:extLst>
-              <a:ext uri="{FF2B5EF4-FFF2-40B4-BE49-F238E27FC236}">
-                <a16:creationId xmlns:a16="http://schemas.microsoft.com/office/drawing/2014/main" id="{8D8342C3-64DA-4B55-8A25-3C2707B699E1}"/>
-              </a:ext>
-            </a:extLst>
-          </p:cNvPr>
-          <p:cNvPicPr>
-            <a:picLocks noChangeAspect="1"/>
-          </p:cNvPicPr>
-          <p:nvPr/>
-        </p:nvPicPr>
-        <p:blipFill>
-          <a:blip r:embed="rId2"/>
-          <a:stretch>
-            <a:fillRect/>
-          </a:stretch>
-        </p:blipFill>
-        <p:spPr>
-          <a:xfrm>
-            <a:off x="2179506" y="3191174"/>
-            <a:ext cx="7832988" cy="3309466"/>
-          </a:xfrm>
-          <a:prstGeom prst="rect">
-            <a:avLst/>
-          </a:prstGeom>
-        </p:spPr>
-      </p:pic>
-    </p:spTree>
-    <p:extLst>
-      <p:ext uri="{BB962C8B-B14F-4D97-AF65-F5344CB8AC3E}">
-        <p14:creationId xmlns:p14="http://schemas.microsoft.com/office/powerpoint/2010/main" val="2139814968"/>
+        <p14:creationId xmlns:p14="http://schemas.microsoft.com/office/powerpoint/2010/main" val="1294969049"/>
       </p:ext>
     </p:extLst>
   </p:cSld>
@@ -8920,713 +8084,6 @@
     <p:extLst>
       <p:ext uri="{BB962C8B-B14F-4D97-AF65-F5344CB8AC3E}">
         <p14:creationId xmlns:p14="http://schemas.microsoft.com/office/powerpoint/2010/main" val="1460134279"/>
-      </p:ext>
-    </p:extLst>
-  </p:cSld>
-  <p:clrMapOvr>
-    <a:masterClrMapping/>
-  </p:clrMapOvr>
-</p:sld>
-</file>
-
-<file path=ppt/slides/slide30.xml><?xml version="1.0" encoding="utf-8"?>
-<p:sld xmlns:a="http://schemas.openxmlformats.org/drawingml/2006/main" xmlns:r="http://schemas.openxmlformats.org/officeDocument/2006/relationships" xmlns:p="http://schemas.openxmlformats.org/presentationml/2006/main">
-  <p:cSld>
-    <p:spTree>
-      <p:nvGrpSpPr>
-        <p:cNvPr id="1" name=""/>
-        <p:cNvGrpSpPr/>
-        <p:nvPr/>
-      </p:nvGrpSpPr>
-      <p:grpSpPr>
-        <a:xfrm>
-          <a:off x="0" y="0"/>
-          <a:ext cx="0" cy="0"/>
-          <a:chOff x="0" y="0"/>
-          <a:chExt cx="0" cy="0"/>
-        </a:xfrm>
-      </p:grpSpPr>
-      <p:sp>
-        <p:nvSpPr>
-          <p:cNvPr id="2" name="Title 1">
-            <a:extLst>
-              <a:ext uri="{FF2B5EF4-FFF2-40B4-BE49-F238E27FC236}">
-                <a16:creationId xmlns:a16="http://schemas.microsoft.com/office/drawing/2014/main" id="{14D7F595-0D8F-4FE6-A3EC-4557A1A457EB}"/>
-              </a:ext>
-            </a:extLst>
-          </p:cNvPr>
-          <p:cNvSpPr>
-            <a:spLocks noGrp="1"/>
-          </p:cNvSpPr>
-          <p:nvPr>
-            <p:ph type="title"/>
-          </p:nvPr>
-        </p:nvSpPr>
-        <p:spPr/>
-        <p:txBody>
-          <a:bodyPr/>
-          <a:lstStyle/>
-          <a:p>
-            <a:r>
-              <a:rPr lang="en-US">
-                <a:latin typeface="Arial" panose="020B0604020202020204" pitchFamily="34" charset="0"/>
-                <a:cs typeface="Arial" panose="020B0604020202020204" pitchFamily="34" charset="0"/>
-              </a:rPr>
-              <a:t>3.3.2. Đặt mã nhóm cho dự án</a:t>
-            </a:r>
-          </a:p>
-        </p:txBody>
-      </p:sp>
-      <p:sp>
-        <p:nvSpPr>
-          <p:cNvPr id="3" name="Content Placeholder 2">
-            <a:extLst>
-              <a:ext uri="{FF2B5EF4-FFF2-40B4-BE49-F238E27FC236}">
-                <a16:creationId xmlns:a16="http://schemas.microsoft.com/office/drawing/2014/main" id="{6337998B-3737-4D43-973D-24B118D723A2}"/>
-              </a:ext>
-            </a:extLst>
-          </p:cNvPr>
-          <p:cNvSpPr>
-            <a:spLocks noGrp="1"/>
-          </p:cNvSpPr>
-          <p:nvPr>
-            <p:ph idx="1"/>
-          </p:nvPr>
-        </p:nvSpPr>
-        <p:spPr>
-          <a:xfrm>
-            <a:off x="1103312" y="2183907"/>
-            <a:ext cx="9612036" cy="3986074"/>
-          </a:xfrm>
-        </p:spPr>
-        <p:txBody>
-          <a:bodyPr/>
-          <a:lstStyle/>
-          <a:p>
-            <a:r>
-              <a:rPr lang="en-US">
-                <a:latin typeface="Arial" panose="020B0604020202020204" pitchFamily="34" charset="0"/>
-                <a:cs typeface="Arial" panose="020B0604020202020204" pitchFamily="34" charset="0"/>
-              </a:rPr>
-              <a:t>Mã nhóm dự án được quy định trong cặp thẻ &lt;groupId&gt; trong tệp pom.xml</a:t>
-            </a:r>
-          </a:p>
-        </p:txBody>
-      </p:sp>
-      <p:pic>
-        <p:nvPicPr>
-          <p:cNvPr id="5" name="Picture 4">
-            <a:extLst>
-              <a:ext uri="{FF2B5EF4-FFF2-40B4-BE49-F238E27FC236}">
-                <a16:creationId xmlns:a16="http://schemas.microsoft.com/office/drawing/2014/main" id="{D8600A07-EC3B-4910-BF41-DE5D2A63F445}"/>
-              </a:ext>
-            </a:extLst>
-          </p:cNvPr>
-          <p:cNvPicPr>
-            <a:picLocks noChangeAspect="1"/>
-          </p:cNvPicPr>
-          <p:nvPr/>
-        </p:nvPicPr>
-        <p:blipFill>
-          <a:blip r:embed="rId2"/>
-          <a:stretch>
-            <a:fillRect/>
-          </a:stretch>
-        </p:blipFill>
-        <p:spPr>
-          <a:xfrm>
-            <a:off x="1852327" y="2824065"/>
-            <a:ext cx="8487345" cy="3676575"/>
-          </a:xfrm>
-          <a:prstGeom prst="rect">
-            <a:avLst/>
-          </a:prstGeom>
-        </p:spPr>
-      </p:pic>
-    </p:spTree>
-    <p:extLst>
-      <p:ext uri="{BB962C8B-B14F-4D97-AF65-F5344CB8AC3E}">
-        <p14:creationId xmlns:p14="http://schemas.microsoft.com/office/powerpoint/2010/main" val="2260609659"/>
-      </p:ext>
-    </p:extLst>
-  </p:cSld>
-  <p:clrMapOvr>
-    <a:masterClrMapping/>
-  </p:clrMapOvr>
-</p:sld>
-</file>
-
-<file path=ppt/slides/slide31.xml><?xml version="1.0" encoding="utf-8"?>
-<p:sld xmlns:a="http://schemas.openxmlformats.org/drawingml/2006/main" xmlns:r="http://schemas.openxmlformats.org/officeDocument/2006/relationships" xmlns:p="http://schemas.openxmlformats.org/presentationml/2006/main">
-  <p:cSld>
-    <p:spTree>
-      <p:nvGrpSpPr>
-        <p:cNvPr id="1" name=""/>
-        <p:cNvGrpSpPr/>
-        <p:nvPr/>
-      </p:nvGrpSpPr>
-      <p:grpSpPr>
-        <a:xfrm>
-          <a:off x="0" y="0"/>
-          <a:ext cx="0" cy="0"/>
-          <a:chOff x="0" y="0"/>
-          <a:chExt cx="0" cy="0"/>
-        </a:xfrm>
-      </p:grpSpPr>
-      <p:sp>
-        <p:nvSpPr>
-          <p:cNvPr id="2" name="Title 1">
-            <a:extLst>
-              <a:ext uri="{FF2B5EF4-FFF2-40B4-BE49-F238E27FC236}">
-                <a16:creationId xmlns:a16="http://schemas.microsoft.com/office/drawing/2014/main" id="{14D7F595-0D8F-4FE6-A3EC-4557A1A457EB}"/>
-              </a:ext>
-            </a:extLst>
-          </p:cNvPr>
-          <p:cNvSpPr>
-            <a:spLocks noGrp="1"/>
-          </p:cNvSpPr>
-          <p:nvPr>
-            <p:ph type="title"/>
-          </p:nvPr>
-        </p:nvSpPr>
-        <p:spPr/>
-        <p:txBody>
-          <a:bodyPr/>
-          <a:lstStyle/>
-          <a:p>
-            <a:r>
-              <a:rPr lang="en-US">
-                <a:latin typeface="Arial" panose="020B0604020202020204" pitchFamily="34" charset="0"/>
-                <a:cs typeface="Arial" panose="020B0604020202020204" pitchFamily="34" charset="0"/>
-              </a:rPr>
-              <a:t>3.3.3. Đặt phiên bản cho dự án</a:t>
-            </a:r>
-          </a:p>
-        </p:txBody>
-      </p:sp>
-      <p:sp>
-        <p:nvSpPr>
-          <p:cNvPr id="3" name="Content Placeholder 2">
-            <a:extLst>
-              <a:ext uri="{FF2B5EF4-FFF2-40B4-BE49-F238E27FC236}">
-                <a16:creationId xmlns:a16="http://schemas.microsoft.com/office/drawing/2014/main" id="{6337998B-3737-4D43-973D-24B118D723A2}"/>
-              </a:ext>
-            </a:extLst>
-          </p:cNvPr>
-          <p:cNvSpPr>
-            <a:spLocks noGrp="1"/>
-          </p:cNvSpPr>
-          <p:nvPr>
-            <p:ph idx="1"/>
-          </p:nvPr>
-        </p:nvSpPr>
-        <p:spPr>
-          <a:xfrm>
-            <a:off x="1103312" y="2183907"/>
-            <a:ext cx="9612036" cy="3986074"/>
-          </a:xfrm>
-        </p:spPr>
-        <p:txBody>
-          <a:bodyPr/>
-          <a:lstStyle/>
-          <a:p>
-            <a:r>
-              <a:rPr lang="en-US">
-                <a:latin typeface="Arial" panose="020B0604020202020204" pitchFamily="34" charset="0"/>
-                <a:cs typeface="Arial" panose="020B0604020202020204" pitchFamily="34" charset="0"/>
-              </a:rPr>
-              <a:t>Phiên bản dự án được quy định trong cặp thẻ &lt;version&gt; trong tệp pom.xml</a:t>
-            </a:r>
-          </a:p>
-        </p:txBody>
-      </p:sp>
-      <p:pic>
-        <p:nvPicPr>
-          <p:cNvPr id="6" name="Picture 5">
-            <a:extLst>
-              <a:ext uri="{FF2B5EF4-FFF2-40B4-BE49-F238E27FC236}">
-                <a16:creationId xmlns:a16="http://schemas.microsoft.com/office/drawing/2014/main" id="{5B3C5FB4-BE35-4D31-91C0-C7844B5A38ED}"/>
-              </a:ext>
-            </a:extLst>
-          </p:cNvPr>
-          <p:cNvPicPr>
-            <a:picLocks noChangeAspect="1"/>
-          </p:cNvPicPr>
-          <p:nvPr/>
-        </p:nvPicPr>
-        <p:blipFill>
-          <a:blip r:embed="rId2"/>
-          <a:stretch>
-            <a:fillRect/>
-          </a:stretch>
-        </p:blipFill>
-        <p:spPr>
-          <a:xfrm>
-            <a:off x="1773815" y="2858610"/>
-            <a:ext cx="8644370" cy="3728817"/>
-          </a:xfrm>
-          <a:prstGeom prst="rect">
-            <a:avLst/>
-          </a:prstGeom>
-        </p:spPr>
-      </p:pic>
-    </p:spTree>
-    <p:extLst>
-      <p:ext uri="{BB962C8B-B14F-4D97-AF65-F5344CB8AC3E}">
-        <p14:creationId xmlns:p14="http://schemas.microsoft.com/office/powerpoint/2010/main" val="2028021222"/>
-      </p:ext>
-    </p:extLst>
-  </p:cSld>
-  <p:clrMapOvr>
-    <a:masterClrMapping/>
-  </p:clrMapOvr>
-</p:sld>
-</file>
-
-<file path=ppt/slides/slide32.xml><?xml version="1.0" encoding="utf-8"?>
-<p:sld xmlns:a="http://schemas.openxmlformats.org/drawingml/2006/main" xmlns:r="http://schemas.openxmlformats.org/officeDocument/2006/relationships" xmlns:p="http://schemas.openxmlformats.org/presentationml/2006/main">
-  <p:cSld>
-    <p:spTree>
-      <p:nvGrpSpPr>
-        <p:cNvPr id="1" name=""/>
-        <p:cNvGrpSpPr/>
-        <p:nvPr/>
-      </p:nvGrpSpPr>
-      <p:grpSpPr>
-        <a:xfrm>
-          <a:off x="0" y="0"/>
-          <a:ext cx="0" cy="0"/>
-          <a:chOff x="0" y="0"/>
-          <a:chExt cx="0" cy="0"/>
-        </a:xfrm>
-      </p:grpSpPr>
-      <p:sp>
-        <p:nvSpPr>
-          <p:cNvPr id="2" name="Title 1">
-            <a:extLst>
-              <a:ext uri="{FF2B5EF4-FFF2-40B4-BE49-F238E27FC236}">
-                <a16:creationId xmlns:a16="http://schemas.microsoft.com/office/drawing/2014/main" id="{14D7F595-0D8F-4FE6-A3EC-4557A1A457EB}"/>
-              </a:ext>
-            </a:extLst>
-          </p:cNvPr>
-          <p:cNvSpPr>
-            <a:spLocks noGrp="1"/>
-          </p:cNvSpPr>
-          <p:nvPr>
-            <p:ph type="title"/>
-          </p:nvPr>
-        </p:nvSpPr>
-        <p:spPr/>
-        <p:txBody>
-          <a:bodyPr/>
-          <a:lstStyle/>
-          <a:p>
-            <a:r>
-              <a:rPr lang="en-US">
-                <a:latin typeface="Arial" panose="020B0604020202020204" pitchFamily="34" charset="0"/>
-                <a:cs typeface="Arial" panose="020B0604020202020204" pitchFamily="34" charset="0"/>
-              </a:rPr>
-              <a:t>3.3.4. Quản lý thư viện</a:t>
-            </a:r>
-          </a:p>
-        </p:txBody>
-      </p:sp>
-      <p:sp>
-        <p:nvSpPr>
-          <p:cNvPr id="3" name="Content Placeholder 2">
-            <a:extLst>
-              <a:ext uri="{FF2B5EF4-FFF2-40B4-BE49-F238E27FC236}">
-                <a16:creationId xmlns:a16="http://schemas.microsoft.com/office/drawing/2014/main" id="{6337998B-3737-4D43-973D-24B118D723A2}"/>
-              </a:ext>
-            </a:extLst>
-          </p:cNvPr>
-          <p:cNvSpPr>
-            <a:spLocks noGrp="1"/>
-          </p:cNvSpPr>
-          <p:nvPr>
-            <p:ph idx="1"/>
-          </p:nvPr>
-        </p:nvSpPr>
-        <p:spPr>
-          <a:xfrm>
-            <a:off x="1103312" y="2183907"/>
-            <a:ext cx="9612036" cy="3986074"/>
-          </a:xfrm>
-        </p:spPr>
-        <p:txBody>
-          <a:bodyPr/>
-          <a:lstStyle/>
-          <a:p>
-            <a:r>
-              <a:rPr lang="en-US">
-                <a:latin typeface="Arial" panose="020B0604020202020204" pitchFamily="34" charset="0"/>
-                <a:cs typeface="Arial" panose="020B0604020202020204" pitchFamily="34" charset="0"/>
-              </a:rPr>
-              <a:t>Các thư viện đang được sử dụng trong dự án được quy định trong cặp thẻ &lt;dependencies&gt; trong tệp pom.xml.</a:t>
-            </a:r>
-          </a:p>
-          <a:p>
-            <a:r>
-              <a:rPr lang="en-US">
-                <a:latin typeface="Arial" panose="020B0604020202020204" pitchFamily="34" charset="0"/>
-                <a:cs typeface="Arial" panose="020B0604020202020204" pitchFamily="34" charset="0"/>
-              </a:rPr>
-              <a:t>Ứng với mỗi cặp thẻ &lt;dependency&gt; lồng trong cặp thẻ &lt;dependencies&gt; là một thư viện được cài đặt cho dự án. Ví dụ: junit</a:t>
-            </a:r>
-          </a:p>
-        </p:txBody>
-      </p:sp>
-    </p:spTree>
-    <p:extLst>
-      <p:ext uri="{BB962C8B-B14F-4D97-AF65-F5344CB8AC3E}">
-        <p14:creationId xmlns:p14="http://schemas.microsoft.com/office/powerpoint/2010/main" val="209868065"/>
-      </p:ext>
-    </p:extLst>
-  </p:cSld>
-  <p:clrMapOvr>
-    <a:masterClrMapping/>
-  </p:clrMapOvr>
-</p:sld>
-</file>
-
-<file path=ppt/slides/slide33.xml><?xml version="1.0" encoding="utf-8"?>
-<p:sld xmlns:a="http://schemas.openxmlformats.org/drawingml/2006/main" xmlns:r="http://schemas.openxmlformats.org/officeDocument/2006/relationships" xmlns:p="http://schemas.openxmlformats.org/presentationml/2006/main">
-  <p:cSld>
-    <p:spTree>
-      <p:nvGrpSpPr>
-        <p:cNvPr id="1" name=""/>
-        <p:cNvGrpSpPr/>
-        <p:nvPr/>
-      </p:nvGrpSpPr>
-      <p:grpSpPr>
-        <a:xfrm>
-          <a:off x="0" y="0"/>
-          <a:ext cx="0" cy="0"/>
-          <a:chOff x="0" y="0"/>
-          <a:chExt cx="0" cy="0"/>
-        </a:xfrm>
-      </p:grpSpPr>
-      <p:sp>
-        <p:nvSpPr>
-          <p:cNvPr id="2" name="Title 1">
-            <a:extLst>
-              <a:ext uri="{FF2B5EF4-FFF2-40B4-BE49-F238E27FC236}">
-                <a16:creationId xmlns:a16="http://schemas.microsoft.com/office/drawing/2014/main" id="{14D7F595-0D8F-4FE6-A3EC-4557A1A457EB}"/>
-              </a:ext>
-            </a:extLst>
-          </p:cNvPr>
-          <p:cNvSpPr>
-            <a:spLocks noGrp="1"/>
-          </p:cNvSpPr>
-          <p:nvPr>
-            <p:ph type="title"/>
-          </p:nvPr>
-        </p:nvSpPr>
-        <p:spPr/>
-        <p:txBody>
-          <a:bodyPr/>
-          <a:lstStyle/>
-          <a:p>
-            <a:r>
-              <a:rPr lang="en-US">
-                <a:latin typeface="Arial" panose="020B0604020202020204" pitchFamily="34" charset="0"/>
-                <a:cs typeface="Arial" panose="020B0604020202020204" pitchFamily="34" charset="0"/>
-              </a:rPr>
-              <a:t>3.3.4. Quản lý thư viện</a:t>
-            </a:r>
-          </a:p>
-        </p:txBody>
-      </p:sp>
-      <p:pic>
-        <p:nvPicPr>
-          <p:cNvPr id="4" name="Content Placeholder 3">
-            <a:extLst>
-              <a:ext uri="{FF2B5EF4-FFF2-40B4-BE49-F238E27FC236}">
-                <a16:creationId xmlns:a16="http://schemas.microsoft.com/office/drawing/2014/main" id="{E50778F6-F58C-4A01-81FA-3E67D53C0EFF}"/>
-              </a:ext>
-            </a:extLst>
-          </p:cNvPr>
-          <p:cNvPicPr>
-            <a:picLocks noGrp="1" noChangeAspect="1"/>
-          </p:cNvPicPr>
-          <p:nvPr>
-            <p:ph idx="1"/>
-          </p:nvPr>
-        </p:nvPicPr>
-        <p:blipFill>
-          <a:blip r:embed="rId2"/>
-          <a:stretch>
-            <a:fillRect/>
-          </a:stretch>
-        </p:blipFill>
-        <p:spPr>
-          <a:xfrm>
-            <a:off x="2421533" y="2184400"/>
-            <a:ext cx="6975872" cy="3986213"/>
-          </a:xfrm>
-          <a:prstGeom prst="rect">
-            <a:avLst/>
-          </a:prstGeom>
-        </p:spPr>
-      </p:pic>
-    </p:spTree>
-    <p:extLst>
-      <p:ext uri="{BB962C8B-B14F-4D97-AF65-F5344CB8AC3E}">
-        <p14:creationId xmlns:p14="http://schemas.microsoft.com/office/powerpoint/2010/main" val="3832552483"/>
-      </p:ext>
-    </p:extLst>
-  </p:cSld>
-  <p:clrMapOvr>
-    <a:masterClrMapping/>
-  </p:clrMapOvr>
-</p:sld>
-</file>
-
-<file path=ppt/slides/slide34.xml><?xml version="1.0" encoding="utf-8"?>
-<p:sld xmlns:a="http://schemas.openxmlformats.org/drawingml/2006/main" xmlns:r="http://schemas.openxmlformats.org/officeDocument/2006/relationships" xmlns:p="http://schemas.openxmlformats.org/presentationml/2006/main">
-  <p:cSld>
-    <p:spTree>
-      <p:nvGrpSpPr>
-        <p:cNvPr id="1" name=""/>
-        <p:cNvGrpSpPr/>
-        <p:nvPr/>
-      </p:nvGrpSpPr>
-      <p:grpSpPr>
-        <a:xfrm>
-          <a:off x="0" y="0"/>
-          <a:ext cx="0" cy="0"/>
-          <a:chOff x="0" y="0"/>
-          <a:chExt cx="0" cy="0"/>
-        </a:xfrm>
-      </p:grpSpPr>
-      <p:sp>
-        <p:nvSpPr>
-          <p:cNvPr id="2" name="Title 1">
-            <a:extLst>
-              <a:ext uri="{FF2B5EF4-FFF2-40B4-BE49-F238E27FC236}">
-                <a16:creationId xmlns:a16="http://schemas.microsoft.com/office/drawing/2014/main" id="{14D7F595-0D8F-4FE6-A3EC-4557A1A457EB}"/>
-              </a:ext>
-            </a:extLst>
-          </p:cNvPr>
-          <p:cNvSpPr>
-            <a:spLocks noGrp="1"/>
-          </p:cNvSpPr>
-          <p:nvPr>
-            <p:ph type="title"/>
-          </p:nvPr>
-        </p:nvSpPr>
-        <p:spPr/>
-        <p:txBody>
-          <a:bodyPr/>
-          <a:lstStyle/>
-          <a:p>
-            <a:r>
-              <a:rPr lang="en-US">
-                <a:latin typeface="Arial" panose="020B0604020202020204" pitchFamily="34" charset="0"/>
-                <a:cs typeface="Arial" panose="020B0604020202020204" pitchFamily="34" charset="0"/>
-              </a:rPr>
-              <a:t>3.3.4. Quản lý thư viện</a:t>
-            </a:r>
-          </a:p>
-        </p:txBody>
-      </p:sp>
-      <p:sp>
-        <p:nvSpPr>
-          <p:cNvPr id="3" name="Content Placeholder 2">
-            <a:extLst>
-              <a:ext uri="{FF2B5EF4-FFF2-40B4-BE49-F238E27FC236}">
-                <a16:creationId xmlns:a16="http://schemas.microsoft.com/office/drawing/2014/main" id="{6337998B-3737-4D43-973D-24B118D723A2}"/>
-              </a:ext>
-            </a:extLst>
-          </p:cNvPr>
-          <p:cNvSpPr>
-            <a:spLocks noGrp="1"/>
-          </p:cNvSpPr>
-          <p:nvPr>
-            <p:ph idx="1"/>
-          </p:nvPr>
-        </p:nvSpPr>
-        <p:spPr>
-          <a:xfrm>
-            <a:off x="1103312" y="2183907"/>
-            <a:ext cx="9612036" cy="3986074"/>
-          </a:xfrm>
-        </p:spPr>
-        <p:txBody>
-          <a:bodyPr/>
-          <a:lstStyle/>
-          <a:p>
-            <a:r>
-              <a:rPr lang="en-US">
-                <a:latin typeface="Arial" panose="020B0604020202020204" pitchFamily="34" charset="0"/>
-                <a:cs typeface="Arial" panose="020B0604020202020204" pitchFamily="34" charset="0"/>
-              </a:rPr>
-              <a:t>Ví dụ: Cài đặt JDBC cho MySQL bằng Maven</a:t>
-            </a:r>
-          </a:p>
-        </p:txBody>
-      </p:sp>
-      <p:pic>
-        <p:nvPicPr>
-          <p:cNvPr id="5" name="Picture 4">
-            <a:extLst>
-              <a:ext uri="{FF2B5EF4-FFF2-40B4-BE49-F238E27FC236}">
-                <a16:creationId xmlns:a16="http://schemas.microsoft.com/office/drawing/2014/main" id="{B7A3AAA9-45AF-4E29-ACC6-0837CC8C3E51}"/>
-              </a:ext>
-            </a:extLst>
-          </p:cNvPr>
-          <p:cNvPicPr>
-            <a:picLocks noChangeAspect="1"/>
-          </p:cNvPicPr>
-          <p:nvPr/>
-        </p:nvPicPr>
-        <p:blipFill>
-          <a:blip r:embed="rId2"/>
-          <a:stretch>
-            <a:fillRect/>
-          </a:stretch>
-        </p:blipFill>
-        <p:spPr>
-          <a:xfrm>
-            <a:off x="3104079" y="2801551"/>
-            <a:ext cx="5983842" cy="3796056"/>
-          </a:xfrm>
-          <a:prstGeom prst="rect">
-            <a:avLst/>
-          </a:prstGeom>
-        </p:spPr>
-      </p:pic>
-    </p:spTree>
-    <p:extLst>
-      <p:ext uri="{BB962C8B-B14F-4D97-AF65-F5344CB8AC3E}">
-        <p14:creationId xmlns:p14="http://schemas.microsoft.com/office/powerpoint/2010/main" val="763454964"/>
-      </p:ext>
-    </p:extLst>
-  </p:cSld>
-  <p:clrMapOvr>
-    <a:masterClrMapping/>
-  </p:clrMapOvr>
-</p:sld>
-</file>
-
-<file path=ppt/slides/slide35.xml><?xml version="1.0" encoding="utf-8"?>
-<p:sld xmlns:a="http://schemas.openxmlformats.org/drawingml/2006/main" xmlns:r="http://schemas.openxmlformats.org/officeDocument/2006/relationships" xmlns:p="http://schemas.openxmlformats.org/presentationml/2006/main">
-  <p:cSld>
-    <p:spTree>
-      <p:nvGrpSpPr>
-        <p:cNvPr id="1" name=""/>
-        <p:cNvGrpSpPr/>
-        <p:nvPr/>
-      </p:nvGrpSpPr>
-      <p:grpSpPr>
-        <a:xfrm>
-          <a:off x="0" y="0"/>
-          <a:ext cx="0" cy="0"/>
-          <a:chOff x="0" y="0"/>
-          <a:chExt cx="0" cy="0"/>
-        </a:xfrm>
-      </p:grpSpPr>
-      <p:sp>
-        <p:nvSpPr>
-          <p:cNvPr id="2" name="Title 1">
-            <a:extLst>
-              <a:ext uri="{FF2B5EF4-FFF2-40B4-BE49-F238E27FC236}">
-                <a16:creationId xmlns:a16="http://schemas.microsoft.com/office/drawing/2014/main" id="{14D7F595-0D8F-4FE6-A3EC-4557A1A457EB}"/>
-              </a:ext>
-            </a:extLst>
-          </p:cNvPr>
-          <p:cNvSpPr>
-            <a:spLocks noGrp="1"/>
-          </p:cNvSpPr>
-          <p:nvPr>
-            <p:ph type="title"/>
-          </p:nvPr>
-        </p:nvSpPr>
-        <p:spPr/>
-        <p:txBody>
-          <a:bodyPr/>
-          <a:lstStyle/>
-          <a:p>
-            <a:r>
-              <a:rPr lang="en-US">
-                <a:latin typeface="Arial" panose="020B0604020202020204" pitchFamily="34" charset="0"/>
-                <a:cs typeface="Arial" panose="020B0604020202020204" pitchFamily="34" charset="0"/>
-              </a:rPr>
-              <a:t>Bài tập đồ án</a:t>
-            </a:r>
-          </a:p>
-        </p:txBody>
-      </p:sp>
-      <p:sp>
-        <p:nvSpPr>
-          <p:cNvPr id="3" name="Content Placeholder 2">
-            <a:extLst>
-              <a:ext uri="{FF2B5EF4-FFF2-40B4-BE49-F238E27FC236}">
-                <a16:creationId xmlns:a16="http://schemas.microsoft.com/office/drawing/2014/main" id="{6337998B-3737-4D43-973D-24B118D723A2}"/>
-              </a:ext>
-            </a:extLst>
-          </p:cNvPr>
-          <p:cNvSpPr>
-            <a:spLocks noGrp="1"/>
-          </p:cNvSpPr>
-          <p:nvPr>
-            <p:ph idx="1"/>
-          </p:nvPr>
-        </p:nvSpPr>
-        <p:spPr>
-          <a:xfrm>
-            <a:off x="1103312" y="2175029"/>
-            <a:ext cx="9612036" cy="3994952"/>
-          </a:xfrm>
-        </p:spPr>
-        <p:txBody>
-          <a:bodyPr/>
-          <a:lstStyle/>
-          <a:p>
-            <a:r>
-              <a:rPr lang="en-US">
-                <a:latin typeface="Arial" panose="020B0604020202020204" pitchFamily="34" charset="0"/>
-                <a:cs typeface="Arial" panose="020B0604020202020204" pitchFamily="34" charset="0"/>
-              </a:rPr>
-              <a:t>Dựa vào yêu cầu đồ án đã được cung cấp, hãy:</a:t>
-            </a:r>
-          </a:p>
-          <a:p>
-            <a:pPr lvl="1"/>
-            <a:r>
-              <a:rPr lang="en-US">
-                <a:latin typeface="Arial" panose="020B0604020202020204" pitchFamily="34" charset="0"/>
-                <a:cs typeface="Arial" panose="020B0604020202020204" pitchFamily="34" charset="0"/>
-              </a:rPr>
-              <a:t>Thiết kế CSDL cho bài tập đồ án này</a:t>
-            </a:r>
-          </a:p>
-          <a:p>
-            <a:pPr lvl="1"/>
-            <a:r>
-              <a:rPr lang="en-US">
-                <a:latin typeface="Arial" panose="020B0604020202020204" pitchFamily="34" charset="0"/>
-                <a:cs typeface="Arial" panose="020B0604020202020204" pitchFamily="34" charset="0"/>
-              </a:rPr>
-              <a:t>Áp dụng mẫu lập trình DAO được hướng dẫn để xây dựng các bộ quản lý các đối tượng mô hình dữ liệu cho bài tập đồ án.</a:t>
-            </a:r>
-          </a:p>
-          <a:p>
-            <a:pPr lvl="1"/>
-            <a:r>
-              <a:rPr lang="en-US">
-                <a:latin typeface="Arial" panose="020B0604020202020204" pitchFamily="34" charset="0"/>
-                <a:cs typeface="Arial" panose="020B0604020202020204" pitchFamily="34" charset="0"/>
-              </a:rPr>
-              <a:t>Nâng cấp dự án Java thông thường đang làm lên dự án Maven.</a:t>
-            </a:r>
-          </a:p>
-        </p:txBody>
-      </p:sp>
-    </p:spTree>
-    <p:extLst>
-      <p:ext uri="{BB962C8B-B14F-4D97-AF65-F5344CB8AC3E}">
-        <p14:creationId xmlns:p14="http://schemas.microsoft.com/office/powerpoint/2010/main" val="1294969049"/>
       </p:ext>
     </p:extLst>
   </p:cSld>
